--- a/6th_PPT_Final.pptx
+++ b/6th_PPT_Final.pptx
@@ -1,23 +1,23 @@
 
 <file path=ppt/presentation.xml><?xml version="1.0" encoding="utf-8"?>
-<p:presentation xmlns:a="http://schemas.openxmlformats.org/drawingml/2006/main" xmlns:r="http://schemas.openxmlformats.org/officeDocument/2006/relationships" xmlns:p="http://schemas.openxmlformats.org/presentationml/2006/main" saveSubsetFonts="1">
+<p:presentation xmlns:r="http://schemas.openxmlformats.org/officeDocument/2006/relationships" xmlns:c="http://schemas.openxmlformats.org/drawingml/2006/chart" xmlns:a="http://schemas.openxmlformats.org/drawingml/2006/main" xmlns:dgm="http://schemas.openxmlformats.org/drawingml/2006/diagram" xmlns:dsp="http://schemas.microsoft.com/office/drawing/2008/diagram" xmlns:p="http://schemas.openxmlformats.org/presentationml/2006/main">
   <p:sldMasterIdLst>
-    <p:sldMasterId id="2147483648" r:id="rId1"/>
+    <p:sldMasterId id="2147483660" r:id="rId1"/>
   </p:sldMasterIdLst>
   <p:sldIdLst>
-    <p:sldId id="256" r:id="rId6"/>
-    <p:sldId id="257" r:id="rId7"/>
-    <p:sldId id="258" r:id="rId8"/>
-    <p:sldId id="259" r:id="rId9"/>
-    <p:sldId id="260" r:id="rId10"/>
-    <p:sldId id="261" r:id="rId11"/>
-    <p:sldId id="262" r:id="rId12"/>
-    <p:sldId id="263" r:id="rId13"/>
-    <p:sldId id="264" r:id="rId14"/>
-    <p:sldId id="265" r:id="rId15"/>
-    <p:sldId id="266" r:id="rId16"/>
-    <p:sldId id="267" r:id="rId17"/>
-    <p:sldId id="268" r:id="rId18"/>
+    <p:sldId id="256" r:id="rId2"/>
+    <p:sldId id="257" r:id="rId3"/>
+    <p:sldId id="258" r:id="rId4"/>
+    <p:sldId id="259" r:id="rId5"/>
+    <p:sldId id="260" r:id="rId6"/>
+    <p:sldId id="261" r:id="rId7"/>
+    <p:sldId id="262" r:id="rId8"/>
+    <p:sldId id="263" r:id="rId9"/>
+    <p:sldId id="264" r:id="rId10"/>
+    <p:sldId id="265" r:id="rId11"/>
+    <p:sldId id="266" r:id="rId12"/>
+    <p:sldId id="267" r:id="rId13"/>
+    <p:sldId id="268" r:id="rId14"/>
   </p:sldIdLst>
   <p:sldSz cx="10693400" cy="7569200"/>
   <p:notesSz cx="6858000" cy="9144000"/>
@@ -6190,12 +6190,12 @@
 </file>
 
 <file path=ppt/slides/slide5.xml><?xml version="1.0" encoding="utf-8"?>
-<p:sld xmlns:p="http://schemas.openxmlformats.org/presentationml/2006/main" xmlns:a="http://schemas.openxmlformats.org/drawingml/2006/main" xmlns:r="http://schemas.openxmlformats.org/officeDocument/2006/relationships">
+<p:sld xmlns:r="http://schemas.openxmlformats.org/officeDocument/2006/relationships" xmlns:c="http://schemas.openxmlformats.org/drawingml/2006/chart" xmlns:a="http://schemas.openxmlformats.org/drawingml/2006/main" xmlns:dgm="http://schemas.openxmlformats.org/drawingml/2006/diagram" xmlns:dsp="http://schemas.microsoft.com/office/drawing/2008/diagram" xmlns:p="http://schemas.openxmlformats.org/presentationml/2006/main">
   <p:cSld>
     <p:bg>
-      <p:bgPr>
+      <p:bgPr shadeToTitle="0">
         <a:solidFill>
-          <a:srgbClr val="FFFFFF"/>
+          <a:srgbClr val="ffffff"/>
         </a:solidFill>
       </p:bgPr>
     </p:bg>
@@ -6215,20 +6215,20 @@
       </p:grpSpPr>
       <p:pic>
         <p:nvPicPr>
-          <p:cNvPr name="Picture 2" id="2"/>
-          <p:cNvPicPr>
-            <a:picLocks noChangeAspect="true"/>
-          </p:cNvPicPr>
-          <p:nvPr/>
-        </p:nvPicPr>
-        <p:blipFill>
+          <p:cNvPr id="2" name="Picture 2"/>
+          <p:cNvPicPr>
+            <a:picLocks noChangeAspect="1"/>
+          </p:cNvPicPr>
+          <p:nvPr/>
+        </p:nvPicPr>
+        <p:blipFill rotWithShape="1">
           <a:blip r:embed="rId2"/>
           <a:stretch>
             <a:fillRect/>
           </a:stretch>
         </p:blipFill>
         <p:spPr>
-          <a:xfrm rot="0">
+          <a:xfrm>
             <a:off x="609600" y="1651000"/>
             <a:ext cx="863600" cy="317500"/>
           </a:xfrm>
@@ -6239,20 +6239,20 @@
       </p:pic>
       <p:pic>
         <p:nvPicPr>
-          <p:cNvPr name="Picture 3" id="3"/>
-          <p:cNvPicPr>
-            <a:picLocks noChangeAspect="true"/>
-          </p:cNvPicPr>
-          <p:nvPr/>
-        </p:nvPicPr>
-        <p:blipFill>
+          <p:cNvPr id="3" name="Picture 3"/>
+          <p:cNvPicPr>
+            <a:picLocks noChangeAspect="1"/>
+          </p:cNvPicPr>
+          <p:nvPr/>
+        </p:nvPicPr>
+        <p:blipFill rotWithShape="1">
           <a:blip r:embed="rId3"/>
           <a:stretch>
             <a:fillRect/>
           </a:stretch>
         </p:blipFill>
         <p:spPr>
-          <a:xfrm rot="0">
+          <a:xfrm>
             <a:off x="520700" y="1143000"/>
             <a:ext cx="889000" cy="901700"/>
           </a:xfrm>
@@ -6263,20 +6263,20 @@
       </p:pic>
       <p:pic>
         <p:nvPicPr>
-          <p:cNvPr name="Picture 4" id="4"/>
-          <p:cNvPicPr>
-            <a:picLocks noChangeAspect="true"/>
-          </p:cNvPicPr>
-          <p:nvPr/>
-        </p:nvPicPr>
-        <p:blipFill>
+          <p:cNvPr id="4" name="Picture 4"/>
+          <p:cNvPicPr>
+            <a:picLocks noChangeAspect="1"/>
+          </p:cNvPicPr>
+          <p:nvPr/>
+        </p:nvPicPr>
+        <p:blipFill rotWithShape="1">
           <a:blip r:embed="rId4"/>
           <a:stretch>
             <a:fillRect/>
           </a:stretch>
         </p:blipFill>
         <p:spPr>
-          <a:xfrm rot="0">
+          <a:xfrm>
             <a:off x="2400300" y="2959100"/>
             <a:ext cx="2692400" cy="2692400"/>
           </a:xfrm>
@@ -6287,20 +6287,20 @@
       </p:pic>
       <p:pic>
         <p:nvPicPr>
-          <p:cNvPr name="Picture 5" id="5"/>
-          <p:cNvPicPr>
-            <a:picLocks noChangeAspect="true"/>
-          </p:cNvPicPr>
-          <p:nvPr/>
-        </p:nvPicPr>
-        <p:blipFill>
+          <p:cNvPr id="5" name="Picture 5"/>
+          <p:cNvPicPr>
+            <a:picLocks noChangeAspect="1"/>
+          </p:cNvPicPr>
+          <p:nvPr/>
+        </p:nvPicPr>
+        <p:blipFill rotWithShape="1">
           <a:blip r:embed="rId5"/>
           <a:stretch>
             <a:fillRect/>
           </a:stretch>
         </p:blipFill>
         <p:spPr>
-          <a:xfrm rot="-27000000">
+          <a:xfrm rot="16200000">
             <a:off x="2654300" y="3213100"/>
             <a:ext cx="2171700" cy="2171700"/>
           </a:xfrm>
@@ -6311,20 +6311,20 @@
       </p:pic>
       <p:pic>
         <p:nvPicPr>
-          <p:cNvPr name="Picture 6" id="6"/>
-          <p:cNvPicPr>
-            <a:picLocks noChangeAspect="true"/>
-          </p:cNvPicPr>
-          <p:nvPr/>
-        </p:nvPicPr>
-        <p:blipFill>
+          <p:cNvPr id="6" name="Picture 6"/>
+          <p:cNvPicPr>
+            <a:picLocks noChangeAspect="1"/>
+          </p:cNvPicPr>
+          <p:nvPr/>
+        </p:nvPicPr>
+        <p:blipFill rotWithShape="1">
           <a:blip r:embed="rId6"/>
           <a:stretch>
             <a:fillRect/>
           </a:stretch>
         </p:blipFill>
         <p:spPr>
-          <a:xfrm rot="-27000000">
+          <a:xfrm rot="16200000">
             <a:off x="2997200" y="3556000"/>
             <a:ext cx="1485900" cy="1485900"/>
           </a:xfrm>
@@ -6335,33 +6335,35 @@
       </p:pic>
       <p:grpSp>
         <p:nvGrpSpPr>
-          <p:cNvPr name="Group 7" id="7"/>
+          <p:cNvPr id="7" name="Group 7"/>
           <p:cNvGrpSpPr/>
           <p:nvPr/>
         </p:nvGrpSpPr>
         <p:grpSpPr>
-          <a:xfrm>
-            <a:off x="2147483647" y="2147483647"/>
-            <a:ext cx="2147483647" cy="2147483647"/>
+          <a:xfrm rot="0">
+            <a:off x="2147483648" y="2147483648"/>
+            <a:ext cx="2147483648" cy="2147483648"/>
+            <a:chOff x="0" y="0"/>
+            <a:chExt cx="914400" cy="914400"/>
           </a:xfrm>
         </p:grpSpPr>
       </p:grpSp>
       <p:pic>
         <p:nvPicPr>
-          <p:cNvPr name="Picture 8" id="8"/>
-          <p:cNvPicPr>
-            <a:picLocks noChangeAspect="true"/>
-          </p:cNvPicPr>
-          <p:nvPr/>
-        </p:nvPicPr>
-        <p:blipFill>
+          <p:cNvPr id="8" name="Picture 8"/>
+          <p:cNvPicPr>
+            <a:picLocks noChangeAspect="1"/>
+          </p:cNvPicPr>
+          <p:nvPr/>
+        </p:nvPicPr>
+        <p:blipFill rotWithShape="1">
           <a:blip r:embed="rId7"/>
           <a:stretch>
             <a:fillRect/>
           </a:stretch>
         </p:blipFill>
         <p:spPr>
-          <a:xfrm rot="0">
+          <a:xfrm>
             <a:off x="2794000" y="3937000"/>
             <a:ext cx="1765300" cy="508000"/>
           </a:xfrm>
@@ -6372,20 +6374,20 @@
       </p:pic>
       <p:pic>
         <p:nvPicPr>
-          <p:cNvPr name="Picture 9" id="9"/>
-          <p:cNvPicPr>
-            <a:picLocks noChangeAspect="true"/>
-          </p:cNvPicPr>
-          <p:nvPr/>
-        </p:nvPicPr>
-        <p:blipFill>
+          <p:cNvPr id="9" name="Picture 9"/>
+          <p:cNvPicPr>
+            <a:picLocks noChangeAspect="1"/>
+          </p:cNvPicPr>
+          <p:nvPr/>
+        </p:nvPicPr>
+        <p:blipFill rotWithShape="1">
           <a:blip r:embed="rId8"/>
           <a:stretch>
             <a:fillRect/>
           </a:stretch>
         </p:blipFill>
         <p:spPr>
-          <a:xfrm rot="0">
+          <a:xfrm>
             <a:off x="2768600" y="4229100"/>
             <a:ext cx="1790700" cy="457200"/>
           </a:xfrm>
@@ -6396,20 +6398,20 @@
       </p:pic>
       <p:pic>
         <p:nvPicPr>
-          <p:cNvPr name="Picture 10" id="10"/>
-          <p:cNvPicPr>
-            <a:picLocks noChangeAspect="true"/>
-          </p:cNvPicPr>
-          <p:nvPr/>
-        </p:nvPicPr>
-        <p:blipFill>
+          <p:cNvPr id="10" name="Picture 10"/>
+          <p:cNvPicPr>
+            <a:picLocks noChangeAspect="1"/>
+          </p:cNvPicPr>
+          <p:nvPr/>
+        </p:nvPicPr>
+        <p:blipFill rotWithShape="1">
           <a:blip r:embed="rId9"/>
           <a:stretch>
             <a:fillRect/>
           </a:stretch>
         </p:blipFill>
         <p:spPr>
-          <a:xfrm rot="-10800000">
+          <a:xfrm rot="10800000">
             <a:off x="342900" y="3683000"/>
             <a:ext cx="1231900" cy="1231900"/>
           </a:xfrm>
@@ -6420,20 +6422,20 @@
       </p:pic>
       <p:pic>
         <p:nvPicPr>
-          <p:cNvPr name="Picture 11" id="11"/>
-          <p:cNvPicPr>
-            <a:picLocks noChangeAspect="true"/>
-          </p:cNvPicPr>
-          <p:nvPr/>
-        </p:nvPicPr>
-        <p:blipFill>
+          <p:cNvPr id="11" name="Picture 11"/>
+          <p:cNvPicPr>
+            <a:picLocks noChangeAspect="1"/>
+          </p:cNvPicPr>
+          <p:nvPr/>
+        </p:nvPicPr>
+        <p:blipFill rotWithShape="1">
           <a:blip r:embed="rId10"/>
           <a:stretch>
             <a:fillRect/>
           </a:stretch>
         </p:blipFill>
         <p:spPr>
-          <a:xfrm rot="0">
+          <a:xfrm>
             <a:off x="63500" y="4076700"/>
             <a:ext cx="1663700" cy="508000"/>
           </a:xfrm>
@@ -6444,20 +6446,20 @@
       </p:pic>
       <p:pic>
         <p:nvPicPr>
-          <p:cNvPr name="Picture 12" id="12"/>
-          <p:cNvPicPr>
-            <a:picLocks noChangeAspect="true"/>
-          </p:cNvPicPr>
-          <p:nvPr/>
-        </p:nvPicPr>
-        <p:blipFill>
+          <p:cNvPr id="12" name="Picture 12"/>
+          <p:cNvPicPr>
+            <a:picLocks noChangeAspect="1"/>
+          </p:cNvPicPr>
+          <p:nvPr/>
+        </p:nvPicPr>
+        <p:blipFill rotWithShape="1">
           <a:blip r:embed="rId11"/>
           <a:stretch>
             <a:fillRect/>
           </a:stretch>
         </p:blipFill>
         <p:spPr>
-          <a:xfrm rot="0">
+          <a:xfrm>
             <a:off x="1663700" y="4216400"/>
             <a:ext cx="660400" cy="88900"/>
           </a:xfrm>
@@ -6468,14 +6470,14 @@
       </p:pic>
       <p:pic>
         <p:nvPicPr>
-          <p:cNvPr name="Picture 13" id="13"/>
-          <p:cNvPicPr>
-            <a:picLocks noChangeAspect="true"/>
-          </p:cNvPicPr>
-          <p:nvPr/>
-        </p:nvPicPr>
-        <p:blipFill>
-          <a:blip r:embed="rId11"/>
+          <p:cNvPr id="13" name="Picture 13"/>
+          <p:cNvPicPr>
+            <a:picLocks noChangeAspect="1"/>
+          </p:cNvPicPr>
+          <p:nvPr/>
+        </p:nvPicPr>
+        <p:blipFill rotWithShape="1">
+          <a:blip r:embed="rId12"/>
           <a:stretch>
             <a:fillRect/>
           </a:stretch>
@@ -6492,20 +6494,20 @@
       </p:pic>
       <p:pic>
         <p:nvPicPr>
-          <p:cNvPr name="Picture 14" id="14"/>
-          <p:cNvPicPr>
-            <a:picLocks noChangeAspect="true"/>
-          </p:cNvPicPr>
-          <p:nvPr/>
-        </p:nvPicPr>
-        <p:blipFill>
-          <a:blip r:embed="rId11"/>
-          <a:stretch>
-            <a:fillRect/>
-          </a:stretch>
-        </p:blipFill>
-        <p:spPr>
-          <a:xfrm rot="0">
+          <p:cNvPr id="14" name="Picture 14"/>
+          <p:cNvPicPr>
+            <a:picLocks noChangeAspect="1"/>
+          </p:cNvPicPr>
+          <p:nvPr/>
+        </p:nvPicPr>
+        <p:blipFill rotWithShape="1">
+          <a:blip r:embed="rId13"/>
+          <a:stretch>
+            <a:fillRect/>
+          </a:stretch>
+        </p:blipFill>
+        <p:spPr>
+          <a:xfrm>
             <a:off x="5791200" y="1460500"/>
             <a:ext cx="660400" cy="88900"/>
           </a:xfrm>
@@ -6516,20 +6518,20 @@
       </p:pic>
       <p:pic>
         <p:nvPicPr>
-          <p:cNvPr name="Picture 15" id="15"/>
-          <p:cNvPicPr>
-            <a:picLocks noChangeAspect="true"/>
-          </p:cNvPicPr>
-          <p:nvPr/>
-        </p:nvPicPr>
-        <p:blipFill>
-          <a:blip r:embed="rId12"/>
-          <a:stretch>
-            <a:fillRect/>
-          </a:stretch>
-        </p:blipFill>
-        <p:spPr>
-          <a:xfrm rot="0">
+          <p:cNvPr id="15" name="Picture 15"/>
+          <p:cNvPicPr>
+            <a:picLocks noChangeAspect="1"/>
+          </p:cNvPicPr>
+          <p:nvPr/>
+        </p:nvPicPr>
+        <p:blipFill rotWithShape="1">
+          <a:blip r:embed="rId14"/>
+          <a:stretch>
+            <a:fillRect/>
+          </a:stretch>
+        </p:blipFill>
+        <p:spPr>
+          <a:xfrm>
             <a:off x="1803400" y="1282700"/>
             <a:ext cx="1231900" cy="469900"/>
           </a:xfrm>
@@ -6540,20 +6542,20 @@
       </p:pic>
       <p:pic>
         <p:nvPicPr>
-          <p:cNvPr name="Picture 16" id="16"/>
-          <p:cNvPicPr>
-            <a:picLocks noChangeAspect="true"/>
-          </p:cNvPicPr>
-          <p:nvPr/>
-        </p:nvPicPr>
-        <p:blipFill>
-          <a:blip r:embed="rId9"/>
-          <a:stretch>
-            <a:fillRect/>
-          </a:stretch>
-        </p:blipFill>
-        <p:spPr>
-          <a:xfrm rot="-10800000">
+          <p:cNvPr id="16" name="Picture 16"/>
+          <p:cNvPicPr>
+            <a:picLocks noChangeAspect="1"/>
+          </p:cNvPicPr>
+          <p:nvPr/>
+        </p:nvPicPr>
+        <p:blipFill rotWithShape="1">
+          <a:blip r:embed="rId15"/>
+          <a:stretch>
+            <a:fillRect/>
+          </a:stretch>
+        </p:blipFill>
+        <p:spPr>
+          <a:xfrm rot="10800000">
             <a:off x="6667500" y="939800"/>
             <a:ext cx="1231900" cy="1231900"/>
           </a:xfrm>
@@ -6564,33 +6566,35 @@
       </p:pic>
       <p:grpSp>
         <p:nvGrpSpPr>
-          <p:cNvPr name="Group 17" id="17"/>
+          <p:cNvPr id="17" name="Group 17"/>
           <p:cNvGrpSpPr/>
           <p:nvPr/>
         </p:nvGrpSpPr>
         <p:grpSpPr>
-          <a:xfrm>
-            <a:off x="2147483647" y="2147483647"/>
-            <a:ext cx="2147483647" cy="2147483647"/>
+          <a:xfrm rot="0">
+            <a:off x="2147483648" y="2147483648"/>
+            <a:ext cx="2147483648" cy="2147483648"/>
+            <a:chOff x="0" y="0"/>
+            <a:chExt cx="914400" cy="914400"/>
           </a:xfrm>
         </p:grpSpPr>
       </p:grpSp>
       <p:pic>
         <p:nvPicPr>
-          <p:cNvPr name="Picture 18" id="18"/>
-          <p:cNvPicPr>
-            <a:picLocks noChangeAspect="true"/>
-          </p:cNvPicPr>
-          <p:nvPr/>
-        </p:nvPicPr>
-        <p:blipFill>
-          <a:blip r:embed="rId13"/>
-          <a:stretch>
-            <a:fillRect/>
-          </a:stretch>
-        </p:blipFill>
-        <p:spPr>
-          <a:xfrm rot="0">
+          <p:cNvPr id="18" name="Picture 18"/>
+          <p:cNvPicPr>
+            <a:picLocks noChangeAspect="1"/>
+          </p:cNvPicPr>
+          <p:nvPr/>
+        </p:nvPicPr>
+        <p:blipFill rotWithShape="1">
+          <a:blip r:embed="rId16"/>
+          <a:stretch>
+            <a:fillRect/>
+          </a:stretch>
+        </p:blipFill>
+        <p:spPr>
+          <a:xfrm>
             <a:off x="6324600" y="1257300"/>
             <a:ext cx="1638300" cy="355600"/>
           </a:xfrm>
@@ -6601,20 +6605,20 @@
       </p:pic>
       <p:pic>
         <p:nvPicPr>
-          <p:cNvPr name="Picture 19" id="19"/>
-          <p:cNvPicPr>
-            <a:picLocks noChangeAspect="true"/>
-          </p:cNvPicPr>
-          <p:nvPr/>
-        </p:nvPicPr>
-        <p:blipFill>
-          <a:blip r:embed="rId14"/>
-          <a:stretch>
-            <a:fillRect/>
-          </a:stretch>
-        </p:blipFill>
-        <p:spPr>
-          <a:xfrm rot="0">
+          <p:cNvPr id="19" name="Picture 19"/>
+          <p:cNvPicPr>
+            <a:picLocks noChangeAspect="1"/>
+          </p:cNvPicPr>
+          <p:nvPr/>
+        </p:nvPicPr>
+        <p:blipFill rotWithShape="1">
+          <a:blip r:embed="rId17"/>
+          <a:stretch>
+            <a:fillRect/>
+          </a:stretch>
+        </p:blipFill>
+        <p:spPr>
+          <a:xfrm>
             <a:off x="6400800" y="1498600"/>
             <a:ext cx="1574800" cy="355600"/>
           </a:xfrm>
@@ -6625,20 +6629,20 @@
       </p:pic>
       <p:pic>
         <p:nvPicPr>
-          <p:cNvPr name="Picture 20" id="20"/>
-          <p:cNvPicPr>
-            <a:picLocks noChangeAspect="true"/>
-          </p:cNvPicPr>
-          <p:nvPr/>
-        </p:nvPicPr>
-        <p:blipFill>
-          <a:blip r:embed="rId11"/>
-          <a:stretch>
-            <a:fillRect/>
-          </a:stretch>
-        </p:blipFill>
-        <p:spPr>
-          <a:xfrm rot="0">
+          <p:cNvPr id="20" name="Picture 20"/>
+          <p:cNvPicPr>
+            <a:picLocks noChangeAspect="1"/>
+          </p:cNvPicPr>
+          <p:nvPr/>
+        </p:nvPicPr>
+        <p:blipFill rotWithShape="1">
+          <a:blip r:embed="rId18"/>
+          <a:stretch>
+            <a:fillRect/>
+          </a:stretch>
+        </p:blipFill>
+        <p:spPr>
+          <a:xfrm>
             <a:off x="5791200" y="3098800"/>
             <a:ext cx="660400" cy="88900"/>
           </a:xfrm>
@@ -6649,20 +6653,20 @@
       </p:pic>
       <p:pic>
         <p:nvPicPr>
-          <p:cNvPr name="Picture 21" id="21"/>
-          <p:cNvPicPr>
-            <a:picLocks noChangeAspect="true"/>
-          </p:cNvPicPr>
-          <p:nvPr/>
-        </p:nvPicPr>
-        <p:blipFill>
-          <a:blip r:embed="rId9"/>
-          <a:stretch>
-            <a:fillRect/>
-          </a:stretch>
-        </p:blipFill>
-        <p:spPr>
-          <a:xfrm rot="-10800000">
+          <p:cNvPr id="21" name="Picture 21"/>
+          <p:cNvPicPr>
+            <a:picLocks noChangeAspect="1"/>
+          </p:cNvPicPr>
+          <p:nvPr/>
+        </p:nvPicPr>
+        <p:blipFill rotWithShape="1">
+          <a:blip r:embed="rId19"/>
+          <a:stretch>
+            <a:fillRect/>
+          </a:stretch>
+        </p:blipFill>
+        <p:spPr>
+          <a:xfrm rot="10800000">
             <a:off x="6667500" y="2565400"/>
             <a:ext cx="1231900" cy="1231900"/>
           </a:xfrm>
@@ -6673,20 +6677,20 @@
       </p:pic>
       <p:pic>
         <p:nvPicPr>
-          <p:cNvPr name="Picture 22" id="22"/>
-          <p:cNvPicPr>
-            <a:picLocks noChangeAspect="true"/>
-          </p:cNvPicPr>
-          <p:nvPr/>
-        </p:nvPicPr>
-        <p:blipFill>
-          <a:blip r:embed="rId11"/>
-          <a:stretch>
-            <a:fillRect/>
-          </a:stretch>
-        </p:blipFill>
-        <p:spPr>
-          <a:xfrm rot="0">
+          <p:cNvPr id="22" name="Picture 22"/>
+          <p:cNvPicPr>
+            <a:picLocks noChangeAspect="1"/>
+          </p:cNvPicPr>
+          <p:nvPr/>
+        </p:nvPicPr>
+        <p:blipFill rotWithShape="1">
+          <a:blip r:embed="rId20"/>
+          <a:stretch>
+            <a:fillRect/>
+          </a:stretch>
+        </p:blipFill>
+        <p:spPr>
+          <a:xfrm>
             <a:off x="5791200" y="4749800"/>
             <a:ext cx="660400" cy="88900"/>
           </a:xfrm>
@@ -6697,20 +6701,20 @@
       </p:pic>
       <p:pic>
         <p:nvPicPr>
-          <p:cNvPr name="Picture 23" id="23"/>
-          <p:cNvPicPr>
-            <a:picLocks noChangeAspect="true"/>
-          </p:cNvPicPr>
-          <p:nvPr/>
-        </p:nvPicPr>
-        <p:blipFill>
-          <a:blip r:embed="rId9"/>
-          <a:stretch>
-            <a:fillRect/>
-          </a:stretch>
-        </p:blipFill>
-        <p:spPr>
-          <a:xfrm rot="-10800000">
+          <p:cNvPr id="23" name="Picture 23"/>
+          <p:cNvPicPr>
+            <a:picLocks noChangeAspect="1"/>
+          </p:cNvPicPr>
+          <p:nvPr/>
+        </p:nvPicPr>
+        <p:blipFill rotWithShape="1">
+          <a:blip r:embed="rId21"/>
+          <a:stretch>
+            <a:fillRect/>
+          </a:stretch>
+        </p:blipFill>
+        <p:spPr>
+          <a:xfrm rot="10800000">
             <a:off x="6667500" y="4216400"/>
             <a:ext cx="1231900" cy="1231900"/>
           </a:xfrm>
@@ -6721,20 +6725,20 @@
       </p:pic>
       <p:pic>
         <p:nvPicPr>
-          <p:cNvPr name="Picture 24" id="24"/>
-          <p:cNvPicPr>
-            <a:picLocks noChangeAspect="true"/>
-          </p:cNvPicPr>
-          <p:nvPr/>
-        </p:nvPicPr>
-        <p:blipFill>
-          <a:blip r:embed="rId11"/>
-          <a:stretch>
-            <a:fillRect/>
-          </a:stretch>
-        </p:blipFill>
-        <p:spPr>
-          <a:xfrm rot="0">
+          <p:cNvPr id="24" name="Picture 24"/>
+          <p:cNvPicPr>
+            <a:picLocks noChangeAspect="1"/>
+          </p:cNvPicPr>
+          <p:nvPr/>
+        </p:nvPicPr>
+        <p:blipFill rotWithShape="1">
+          <a:blip r:embed="rId22"/>
+          <a:stretch>
+            <a:fillRect/>
+          </a:stretch>
+        </p:blipFill>
+        <p:spPr>
+          <a:xfrm>
             <a:off x="5791200" y="6413500"/>
             <a:ext cx="660400" cy="88900"/>
           </a:xfrm>
@@ -6745,20 +6749,20 @@
       </p:pic>
       <p:pic>
         <p:nvPicPr>
-          <p:cNvPr name="Picture 25" id="25"/>
-          <p:cNvPicPr>
-            <a:picLocks noChangeAspect="true"/>
-          </p:cNvPicPr>
-          <p:nvPr/>
-        </p:nvPicPr>
-        <p:blipFill>
-          <a:blip r:embed="rId9"/>
-          <a:stretch>
-            <a:fillRect/>
-          </a:stretch>
-        </p:blipFill>
-        <p:spPr>
-          <a:xfrm rot="-10800000">
+          <p:cNvPr id="25" name="Picture 25"/>
+          <p:cNvPicPr>
+            <a:picLocks noChangeAspect="1"/>
+          </p:cNvPicPr>
+          <p:nvPr/>
+        </p:nvPicPr>
+        <p:blipFill rotWithShape="1">
+          <a:blip r:embed="rId23"/>
+          <a:stretch>
+            <a:fillRect/>
+          </a:stretch>
+        </p:blipFill>
+        <p:spPr>
+          <a:xfrm rot="10800000">
             <a:off x="6667500" y="5880100"/>
             <a:ext cx="1231900" cy="1231900"/>
           </a:xfrm>
@@ -6769,20 +6773,20 @@
       </p:pic>
       <p:pic>
         <p:nvPicPr>
-          <p:cNvPr name="Picture 26" id="26"/>
-          <p:cNvPicPr>
-            <a:picLocks noChangeAspect="true"/>
-          </p:cNvPicPr>
-          <p:nvPr/>
-        </p:nvPicPr>
-        <p:blipFill>
-          <a:blip r:embed="rId15"/>
-          <a:stretch>
-            <a:fillRect/>
-          </a:stretch>
-        </p:blipFill>
-        <p:spPr>
-          <a:xfrm rot="-5400000">
+          <p:cNvPr id="26" name="Picture 26"/>
+          <p:cNvPicPr>
+            <a:picLocks noChangeAspect="1"/>
+          </p:cNvPicPr>
+          <p:nvPr/>
+        </p:nvPicPr>
+        <p:blipFill rotWithShape="1">
+          <a:blip r:embed="rId24"/>
+          <a:stretch>
+            <a:fillRect/>
+          </a:stretch>
+        </p:blipFill>
+        <p:spPr>
+          <a:xfrm rot="16200000">
             <a:off x="3263900" y="3860800"/>
             <a:ext cx="5067300" cy="381000"/>
           </a:xfrm>
@@ -6793,20 +6797,20 @@
       </p:pic>
       <p:pic>
         <p:nvPicPr>
-          <p:cNvPr name="Picture 27" id="27"/>
-          <p:cNvPicPr>
-            <a:picLocks noChangeAspect="true"/>
-          </p:cNvPicPr>
-          <p:nvPr/>
-        </p:nvPicPr>
-        <p:blipFill>
-          <a:blip r:embed="rId6"/>
-          <a:stretch>
-            <a:fillRect/>
-          </a:stretch>
-        </p:blipFill>
-        <p:spPr>
-          <a:xfrm rot="-27000000">
+          <p:cNvPr id="27" name="Picture 27"/>
+          <p:cNvPicPr>
+            <a:picLocks noChangeAspect="1"/>
+          </p:cNvPicPr>
+          <p:nvPr/>
+        </p:nvPicPr>
+        <p:blipFill rotWithShape="1">
+          <a:blip r:embed="rId25"/>
+          <a:stretch>
+            <a:fillRect/>
+          </a:stretch>
+        </p:blipFill>
+        <p:spPr>
+          <a:xfrm rot="16200000">
             <a:off x="8902700" y="3213100"/>
             <a:ext cx="1485900" cy="1485900"/>
           </a:xfrm>
@@ -6817,21 +6821,21 @@
       </p:pic>
       <p:pic>
         <p:nvPicPr>
-          <p:cNvPr name="Picture 28" id="28"/>
-          <p:cNvPicPr>
-            <a:picLocks noChangeAspect="true"/>
-          </p:cNvPicPr>
-          <p:nvPr/>
-        </p:nvPicPr>
-        <p:blipFill>
-          <a:blip r:embed="rId11"/>
-          <a:stretch>
-            <a:fillRect/>
-          </a:stretch>
-        </p:blipFill>
-        <p:spPr>
-          <a:xfrm rot="0">
-            <a:off x="8140700" y="3213100"/>
+          <p:cNvPr id="28" name="Picture 28"/>
+          <p:cNvPicPr>
+            <a:picLocks noChangeAspect="1"/>
+          </p:cNvPicPr>
+          <p:nvPr/>
+        </p:nvPicPr>
+        <p:blipFill rotWithShape="1">
+          <a:blip r:embed="rId26"/>
+          <a:stretch>
+            <a:fillRect/>
+          </a:stretch>
+        </p:blipFill>
+        <p:spPr>
+          <a:xfrm>
+            <a:off x="8191500" y="4699000"/>
             <a:ext cx="660400" cy="88900"/>
           </a:xfrm>
           <a:prstGeom prst="rect">
@@ -6841,44 +6845,20 @@
       </p:pic>
       <p:pic>
         <p:nvPicPr>
-          <p:cNvPr name="Picture 29" id="29"/>
-          <p:cNvPicPr>
-            <a:picLocks noChangeAspect="true"/>
-          </p:cNvPicPr>
-          <p:nvPr/>
-        </p:nvPicPr>
-        <p:blipFill>
-          <a:blip r:embed="rId11"/>
-          <a:stretch>
-            <a:fillRect/>
-          </a:stretch>
-        </p:blipFill>
-        <p:spPr>
-          <a:xfrm rot="10800000">
-            <a:off x="8242300" y="4749800"/>
-            <a:ext cx="660400" cy="88900"/>
-          </a:xfrm>
-          <a:prstGeom prst="rect">
-            <a:avLst/>
-          </a:prstGeom>
-        </p:spPr>
-      </p:pic>
-      <p:pic>
-        <p:nvPicPr>
-          <p:cNvPr name="Picture 30" id="30"/>
-          <p:cNvPicPr>
-            <a:picLocks noChangeAspect="true"/>
-          </p:cNvPicPr>
-          <p:nvPr/>
-        </p:nvPicPr>
-        <p:blipFill>
-          <a:blip r:embed="rId16"/>
-          <a:stretch>
-            <a:fillRect/>
-          </a:stretch>
-        </p:blipFill>
-        <p:spPr>
-          <a:xfrm rot="0">
+          <p:cNvPr id="30" name="Picture 30"/>
+          <p:cNvPicPr>
+            <a:picLocks noChangeAspect="1"/>
+          </p:cNvPicPr>
+          <p:nvPr/>
+        </p:nvPicPr>
+        <p:blipFill rotWithShape="1">
+          <a:blip r:embed="rId27"/>
+          <a:stretch>
+            <a:fillRect/>
+          </a:stretch>
+        </p:blipFill>
+        <p:spPr>
+          <a:xfrm>
             <a:off x="8788400" y="3721100"/>
             <a:ext cx="1752600" cy="660400"/>
           </a:xfrm>
@@ -6889,33 +6869,35 @@
       </p:pic>
       <p:grpSp>
         <p:nvGrpSpPr>
-          <p:cNvPr name="Group 31" id="31"/>
+          <p:cNvPr id="31" name="Group 31"/>
           <p:cNvGrpSpPr/>
           <p:nvPr/>
         </p:nvGrpSpPr>
         <p:grpSpPr>
-          <a:xfrm>
-            <a:off x="2147483647" y="2147483647"/>
-            <a:ext cx="2147483647" cy="2147483647"/>
+          <a:xfrm rot="0">
+            <a:off x="2147483648" y="2147483648"/>
+            <a:ext cx="2147483648" cy="2147483648"/>
+            <a:chOff x="0" y="0"/>
+            <a:chExt cx="914400" cy="914400"/>
           </a:xfrm>
         </p:grpSpPr>
       </p:grpSp>
       <p:pic>
         <p:nvPicPr>
-          <p:cNvPr name="Picture 32" id="32"/>
-          <p:cNvPicPr>
-            <a:picLocks noChangeAspect="true"/>
-          </p:cNvPicPr>
-          <p:nvPr/>
-        </p:nvPicPr>
-        <p:blipFill>
-          <a:blip r:embed="rId17"/>
-          <a:stretch>
-            <a:fillRect/>
-          </a:stretch>
-        </p:blipFill>
-        <p:spPr>
-          <a:xfrm rot="0">
+          <p:cNvPr id="32" name="Picture 32"/>
+          <p:cNvPicPr>
+            <a:picLocks noChangeAspect="1"/>
+          </p:cNvPicPr>
+          <p:nvPr/>
+        </p:nvPicPr>
+        <p:blipFill rotWithShape="1">
+          <a:blip r:embed="rId28"/>
+          <a:stretch>
+            <a:fillRect/>
+          </a:stretch>
+        </p:blipFill>
+        <p:spPr>
+          <a:xfrm>
             <a:off x="6464300" y="2933700"/>
             <a:ext cx="1524000" cy="355600"/>
           </a:xfrm>
@@ -6926,20 +6908,20 @@
       </p:pic>
       <p:pic>
         <p:nvPicPr>
-          <p:cNvPr name="Picture 33" id="33"/>
-          <p:cNvPicPr>
-            <a:picLocks noChangeAspect="true"/>
-          </p:cNvPicPr>
-          <p:nvPr/>
-        </p:nvPicPr>
-        <p:blipFill>
-          <a:blip r:embed="rId18"/>
-          <a:stretch>
-            <a:fillRect/>
-          </a:stretch>
-        </p:blipFill>
-        <p:spPr>
-          <a:xfrm rot="0">
+          <p:cNvPr id="33" name="Picture 33"/>
+          <p:cNvPicPr>
+            <a:picLocks noChangeAspect="1"/>
+          </p:cNvPicPr>
+          <p:nvPr/>
+        </p:nvPicPr>
+        <p:blipFill rotWithShape="1">
+          <a:blip r:embed="rId29"/>
+          <a:stretch>
+            <a:fillRect/>
+          </a:stretch>
+        </p:blipFill>
+        <p:spPr>
+          <a:xfrm>
             <a:off x="6527800" y="3175000"/>
             <a:ext cx="1473200" cy="355600"/>
           </a:xfrm>
@@ -6950,33 +6932,35 @@
       </p:pic>
       <p:grpSp>
         <p:nvGrpSpPr>
-          <p:cNvPr name="Group 34" id="34"/>
+          <p:cNvPr id="34" name="Group 34"/>
           <p:cNvGrpSpPr/>
           <p:nvPr/>
         </p:nvGrpSpPr>
         <p:grpSpPr>
-          <a:xfrm>
-            <a:off x="2147483647" y="2147483647"/>
-            <a:ext cx="2147483647" cy="2147483647"/>
+          <a:xfrm rot="0">
+            <a:off x="2147483648" y="2147483648"/>
+            <a:ext cx="2147483648" cy="2147483648"/>
+            <a:chOff x="0" y="0"/>
+            <a:chExt cx="914400" cy="914400"/>
           </a:xfrm>
         </p:grpSpPr>
       </p:grpSp>
       <p:pic>
         <p:nvPicPr>
-          <p:cNvPr name="Picture 35" id="35"/>
-          <p:cNvPicPr>
-            <a:picLocks noChangeAspect="true"/>
-          </p:cNvPicPr>
-          <p:nvPr/>
-        </p:nvPicPr>
-        <p:blipFill>
-          <a:blip r:embed="rId19"/>
-          <a:stretch>
-            <a:fillRect/>
-          </a:stretch>
-        </p:blipFill>
-        <p:spPr>
-          <a:xfrm rot="0">
+          <p:cNvPr id="35" name="Picture 35"/>
+          <p:cNvPicPr>
+            <a:picLocks noChangeAspect="1"/>
+          </p:cNvPicPr>
+          <p:nvPr/>
+        </p:nvPicPr>
+        <p:blipFill rotWithShape="1">
+          <a:blip r:embed="rId30"/>
+          <a:stretch>
+            <a:fillRect/>
+          </a:stretch>
+        </p:blipFill>
+        <p:spPr>
+          <a:xfrm>
             <a:off x="6286500" y="4546600"/>
             <a:ext cx="1676400" cy="355600"/>
           </a:xfrm>
@@ -6987,20 +6971,20 @@
       </p:pic>
       <p:pic>
         <p:nvPicPr>
-          <p:cNvPr name="Picture 36" id="36"/>
-          <p:cNvPicPr>
-            <a:picLocks noChangeAspect="true"/>
-          </p:cNvPicPr>
-          <p:nvPr/>
-        </p:nvPicPr>
-        <p:blipFill>
-          <a:blip r:embed="rId20"/>
-          <a:stretch>
-            <a:fillRect/>
-          </a:stretch>
-        </p:blipFill>
-        <p:spPr>
-          <a:xfrm rot="0">
+          <p:cNvPr id="36" name="Picture 36"/>
+          <p:cNvPicPr>
+            <a:picLocks noChangeAspect="1"/>
+          </p:cNvPicPr>
+          <p:nvPr/>
+        </p:nvPicPr>
+        <p:blipFill rotWithShape="1">
+          <a:blip r:embed="rId31"/>
+          <a:stretch>
+            <a:fillRect/>
+          </a:stretch>
+        </p:blipFill>
+        <p:spPr>
+          <a:xfrm>
             <a:off x="6350000" y="4787900"/>
             <a:ext cx="1612900" cy="381000"/>
           </a:xfrm>
@@ -7011,33 +6995,35 @@
       </p:pic>
       <p:grpSp>
         <p:nvGrpSpPr>
-          <p:cNvPr name="Group 37" id="37"/>
+          <p:cNvPr id="37" name="Group 37"/>
           <p:cNvGrpSpPr/>
           <p:nvPr/>
         </p:nvGrpSpPr>
         <p:grpSpPr>
-          <a:xfrm>
-            <a:off x="2147483647" y="2147483647"/>
-            <a:ext cx="2147483647" cy="2147483647"/>
+          <a:xfrm rot="0">
+            <a:off x="2147483648" y="2147483648"/>
+            <a:ext cx="2147483648" cy="2147483648"/>
+            <a:chOff x="0" y="0"/>
+            <a:chExt cx="914400" cy="914400"/>
           </a:xfrm>
         </p:grpSpPr>
       </p:grpSp>
       <p:pic>
         <p:nvPicPr>
-          <p:cNvPr name="Picture 38" id="38"/>
-          <p:cNvPicPr>
-            <a:picLocks noChangeAspect="true"/>
-          </p:cNvPicPr>
-          <p:nvPr/>
-        </p:nvPicPr>
-        <p:blipFill>
-          <a:blip r:embed="rId21"/>
-          <a:stretch>
-            <a:fillRect/>
-          </a:stretch>
-        </p:blipFill>
-        <p:spPr>
-          <a:xfrm rot="0">
+          <p:cNvPr id="38" name="Picture 38"/>
+          <p:cNvPicPr>
+            <a:picLocks noChangeAspect="1"/>
+          </p:cNvPicPr>
+          <p:nvPr/>
+        </p:nvPicPr>
+        <p:blipFill rotWithShape="1">
+          <a:blip r:embed="rId32"/>
+          <a:stretch>
+            <a:fillRect/>
+          </a:stretch>
+        </p:blipFill>
+        <p:spPr>
+          <a:xfrm>
             <a:off x="6324600" y="6210300"/>
             <a:ext cx="1651000" cy="355600"/>
           </a:xfrm>
@@ -7048,20 +7034,20 @@
       </p:pic>
       <p:pic>
         <p:nvPicPr>
-          <p:cNvPr name="Picture 39" id="39"/>
-          <p:cNvPicPr>
-            <a:picLocks noChangeAspect="true"/>
-          </p:cNvPicPr>
-          <p:nvPr/>
-        </p:nvPicPr>
-        <p:blipFill>
-          <a:blip r:embed="rId22"/>
-          <a:stretch>
-            <a:fillRect/>
-          </a:stretch>
-        </p:blipFill>
-        <p:spPr>
-          <a:xfrm rot="0">
+          <p:cNvPr id="39" name="Picture 39"/>
+          <p:cNvPicPr>
+            <a:picLocks noChangeAspect="1"/>
+          </p:cNvPicPr>
+          <p:nvPr/>
+        </p:nvPicPr>
+        <p:blipFill rotWithShape="1">
+          <a:blip r:embed="rId33"/>
+          <a:stretch>
+            <a:fillRect/>
+          </a:stretch>
+        </p:blipFill>
+        <p:spPr>
+          <a:xfrm>
             <a:off x="6400800" y="6464300"/>
             <a:ext cx="1600200" cy="355600"/>
           </a:xfrm>
@@ -7072,22 +7058,46 @@
       </p:pic>
       <p:pic>
         <p:nvPicPr>
-          <p:cNvPr name="Picture 40" id="40"/>
-          <p:cNvPicPr>
-            <a:picLocks noChangeAspect="true"/>
-          </p:cNvPicPr>
-          <p:nvPr/>
-        </p:nvPicPr>
-        <p:blipFill>
-          <a:blip r:embed="rId23"/>
-          <a:stretch>
-            <a:fillRect/>
-          </a:stretch>
-        </p:blipFill>
-        <p:spPr>
-          <a:xfrm rot="0">
+          <p:cNvPr id="40" name="Picture 40"/>
+          <p:cNvPicPr>
+            <a:picLocks noChangeAspect="1"/>
+          </p:cNvPicPr>
+          <p:nvPr/>
+        </p:nvPicPr>
+        <p:blipFill rotWithShape="1">
+          <a:blip r:embed="rId34"/>
+          <a:stretch>
+            <a:fillRect/>
+          </a:stretch>
+        </p:blipFill>
+        <p:spPr>
+          <a:xfrm>
             <a:off x="10134600" y="6985000"/>
             <a:ext cx="495300" cy="660400"/>
+          </a:xfrm>
+          <a:prstGeom prst="rect">
+            <a:avLst/>
+          </a:prstGeom>
+        </p:spPr>
+      </p:pic>
+      <p:pic>
+        <p:nvPicPr>
+          <p:cNvPr id="41" name="Picture 29"/>
+          <p:cNvPicPr>
+            <a:picLocks noChangeAspect="1"/>
+          </p:cNvPicPr>
+          <p:nvPr/>
+        </p:nvPicPr>
+        <p:blipFill rotWithShape="1">
+          <a:blip r:embed="rId35"/>
+          <a:stretch>
+            <a:fillRect/>
+          </a:stretch>
+        </p:blipFill>
+        <p:spPr>
+          <a:xfrm rot="10800000">
+            <a:off x="8089899" y="3174999"/>
+            <a:ext cx="660400" cy="88900"/>
           </a:xfrm>
           <a:prstGeom prst="rect">
             <a:avLst/>
@@ -7099,6 +7109,14 @@
   <p:clrMapOvr>
     <a:masterClrMapping/>
   </p:clrMapOvr>
+  <mc:AlternateContent xmlns:mc="http://schemas.openxmlformats.org/markup-compatibility/2006">
+    <mc:Choice xmlns:p14="http://schemas.microsoft.com/office/powerpoint/2010/main" Requires="p14">
+      <p:transition xmlns:mc="http://schemas.openxmlformats.org/markup-compatibility/2006" xmlns:p14="http://schemas.microsoft.com/office/powerpoint/2010/main" mc:Ignorable="p14" p14:dur="500"/>
+    </mc:Choice>
+    <mc:Fallback>
+      <p:transition/>
+    </mc:Fallback>
+  </mc:AlternateContent>
 </p:sld>
 </file>
 
@@ -8101,41 +8119,41 @@
 </file>
 
 <file path=ppt/theme/theme1.xml><?xml version="1.0" encoding="utf-8"?>
-<a:theme xmlns:a="http://schemas.openxmlformats.org/drawingml/2006/main" name="Office Theme">
+<a:theme xmlns:r="http://schemas.openxmlformats.org/officeDocument/2006/relationships" xmlns:c="http://schemas.openxmlformats.org/drawingml/2006/chart" xmlns:dgm="http://schemas.openxmlformats.org/drawingml/2006/diagram" xmlns:dsp="http://schemas.microsoft.com/office/drawing/2008/diagram" xmlns:a="http://schemas.openxmlformats.org/drawingml/2006/main" xmlns:pic="http://schemas.openxmlformats.org/drawingml/2006/picture" xmlns:wp="http://schemas.openxmlformats.org/drawingml/2006/wordprocessingDrawing" xmlns:xdr="http://schemas.openxmlformats.org/drawingml/2006/spreadsheetDrawing" xmlns:lc="http://schemas.openxmlformats.org/drawingml/2006/lockedCanvas" xmlns:p="http://schemas.openxmlformats.org/presentationml/2006/main" name="Office Theme">
   <a:themeElements>
     <a:clrScheme name="Office">
       <a:dk1>
         <a:sysClr val="windowText" lastClr="000000"/>
       </a:dk1>
       <a:lt1>
-        <a:sysClr val="window" lastClr="FFFFFF"/>
+        <a:sysClr val="window" lastClr="ffffff"/>
       </a:lt1>
       <a:dk2>
-        <a:srgbClr val="1F497D"/>
+        <a:srgbClr val="1f497d"/>
       </a:dk2>
       <a:lt2>
-        <a:srgbClr val="EEECE1"/>
+        <a:srgbClr val="eeece1"/>
       </a:lt2>
       <a:accent1>
-        <a:srgbClr val="4F81BD"/>
+        <a:srgbClr val="4f81bd"/>
       </a:accent1>
       <a:accent2>
-        <a:srgbClr val="C0504D"/>
+        <a:srgbClr val="c0504d"/>
       </a:accent2>
       <a:accent3>
-        <a:srgbClr val="9BBB59"/>
+        <a:srgbClr val="9bbb59"/>
       </a:accent3>
       <a:accent4>
-        <a:srgbClr val="8064A2"/>
+        <a:srgbClr val="8064a2"/>
       </a:accent4>
       <a:accent5>
-        <a:srgbClr val="4BACC6"/>
+        <a:srgbClr val="4bacc6"/>
       </a:accent5>
       <a:accent6>
-        <a:srgbClr val="F79646"/>
+        <a:srgbClr val="f79646"/>
       </a:accent6>
       <a:hlink>
-        <a:srgbClr val="0000FF"/>
+        <a:srgbClr val="0000ff"/>
       </a:hlink>
       <a:folHlink>
         <a:srgbClr val="800080"/>
@@ -8146,9 +8164,9 @@
         <a:latin typeface="Calibri"/>
         <a:ea typeface=""/>
         <a:cs typeface=""/>
-        <a:font script="Jpan" typeface="ＭＳ Ｐゴシック"/>
+        <a:font script="Jpan" typeface="MS PGothic"/>
         <a:font script="Hang" typeface="맑은 고딕"/>
-        <a:font script="Hans" typeface="宋体"/>
+        <a:font script="Hans" typeface="SimSun"/>
         <a:font script="Hant" typeface="新細明體"/>
         <a:font script="Arab" typeface="Times New Roman"/>
         <a:font script="Hebr" typeface="Times New Roman"/>
@@ -8180,9 +8198,9 @@
         <a:latin typeface="Calibri"/>
         <a:ea typeface=""/>
         <a:cs typeface=""/>
-        <a:font script="Jpan" typeface="ＭＳ Ｐゴシック"/>
+        <a:font script="Jpan" typeface="MS PGothic"/>
         <a:font script="Hang" typeface="맑은 고딕"/>
-        <a:font script="Hans" typeface="宋体"/>
+        <a:font script="Hans" typeface="SimSun"/>
         <a:font script="Hant" typeface="新細明體"/>
         <a:font script="Arab" typeface="Arial"/>
         <a:font script="Hebr" typeface="Arial"/>
@@ -8378,7 +8396,5 @@
       </a:bgFillStyleLst>
     </a:fmtScheme>
   </a:themeElements>
-  <a:objectDefaults/>
-  <a:extraClrSchemeLst/>
 </a:theme>
 </file>